--- a/images/draft_volcano_vis.pptx
+++ b/images/draft_volcano_vis.pptx
@@ -2,7 +2,7 @@
 <file path=ppt/presentation.xml><?xml version="1.0" encoding="utf-8"?>
 <p:presentation xmlns:a="http://schemas.openxmlformats.org/drawingml/2006/main" xmlns:r="http://schemas.openxmlformats.org/officeDocument/2006/relationships" xmlns:p="http://schemas.openxmlformats.org/presentationml/2006/main" saveSubsetFonts="1" autoCompressPictures="0">
   <p:sldMasterIdLst>
-    <p:sldMasterId id="2147483672" r:id="rId1"/>
+    <p:sldMasterId id="2147483720" r:id="rId1"/>
   </p:sldMasterIdLst>
   <p:notesMasterIdLst>
     <p:notesMasterId r:id="rId4"/>
@@ -11,7 +11,7 @@
     <p:sldId id="257" r:id="rId2"/>
     <p:sldId id="256" r:id="rId3"/>
   </p:sldIdLst>
-  <p:sldSz cx="6858000" cy="12192000"/>
+  <p:sldSz cx="6858000" cy="8229600"/>
   <p:notesSz cx="6858000" cy="9144000"/>
   <p:defaultTextStyle>
     <a:defPPr>
@@ -108,6 +108,11 @@
       </a:defRPr>
     </a:lvl9pPr>
   </p:defaultTextStyle>
+  <p:extLst>
+    <p:ext uri="{EFAFB233-063F-42B5-8137-9DF3F51BA10A}">
+      <p15:sldGuideLst xmlns:p15="http://schemas.microsoft.com/office/powerpoint/2012/main"/>
+    </p:ext>
+  </p:extLst>
 </p:presentation>
 </file>
 
@@ -193,7 +198,7 @@
           <a:p>
             <a:fld id="{77C5DE72-A1CC-DA45-A6FB-1E2C2A227F9F}" type="datetimeFigureOut">
               <a:rPr lang="en-US" smtClean="0"/>
-              <a:t>2/17/25</a:t>
+              <a:t>2/22/25</a:t>
             </a:fld>
             <a:endParaRPr lang="en-US"/>
           </a:p>
@@ -211,8 +216,8 @@
         </p:nvSpPr>
         <p:spPr>
           <a:xfrm>
-            <a:off x="2560638" y="1143000"/>
-            <a:ext cx="1736725" cy="3086100"/>
+            <a:off x="2143125" y="1143000"/>
+            <a:ext cx="2571750" cy="3086100"/>
           </a:xfrm>
           <a:prstGeom prst="rect">
             <a:avLst/>
@@ -489,8 +494,8 @@
         </p:nvSpPr>
         <p:spPr>
           <a:xfrm>
-            <a:off x="2560638" y="1143000"/>
-            <a:ext cx="1736725" cy="3086100"/>
+            <a:off x="2143125" y="1143000"/>
+            <a:ext cx="2571750" cy="3086100"/>
           </a:xfrm>
         </p:spPr>
       </p:sp>
@@ -578,15 +583,15 @@
         </p:nvSpPr>
         <p:spPr>
           <a:xfrm>
-            <a:off x="514350" y="1995312"/>
-            <a:ext cx="5829300" cy="4244622"/>
+            <a:off x="514350" y="1346836"/>
+            <a:ext cx="5829300" cy="2865120"/>
           </a:xfrm>
         </p:spPr>
         <p:txBody>
           <a:bodyPr anchor="b"/>
           <a:lstStyle>
             <a:lvl1pPr algn="ctr">
-              <a:defRPr sz="4501"/>
+              <a:defRPr sz="4500"/>
             </a:lvl1pPr>
           </a:lstStyle>
           <a:p>
@@ -610,8 +615,8 @@
         </p:nvSpPr>
         <p:spPr>
           <a:xfrm>
-            <a:off x="857250" y="6403624"/>
-            <a:ext cx="5143500" cy="2943577"/>
+            <a:off x="857250" y="4322446"/>
+            <a:ext cx="5143500" cy="1986914"/>
           </a:xfrm>
         </p:spPr>
         <p:txBody>
@@ -621,35 +626,35 @@
               <a:buNone/>
               <a:defRPr sz="1800"/>
             </a:lvl1pPr>
-            <a:lvl2pPr marL="342895" indent="0" algn="ctr">
-              <a:buNone/>
-              <a:defRPr sz="1501"/>
+            <a:lvl2pPr marL="342900" indent="0" algn="ctr">
+              <a:buNone/>
+              <a:defRPr sz="1500"/>
             </a:lvl2pPr>
-            <a:lvl3pPr marL="685788" indent="0" algn="ctr">
+            <a:lvl3pPr marL="685800" indent="0" algn="ctr">
               <a:buNone/>
               <a:defRPr sz="1350"/>
             </a:lvl3pPr>
-            <a:lvl4pPr marL="1028683" indent="0" algn="ctr">
+            <a:lvl4pPr marL="1028700" indent="0" algn="ctr">
               <a:buNone/>
               <a:defRPr sz="1200"/>
             </a:lvl4pPr>
-            <a:lvl5pPr marL="1371576" indent="0" algn="ctr">
+            <a:lvl5pPr marL="1371600" indent="0" algn="ctr">
               <a:buNone/>
               <a:defRPr sz="1200"/>
             </a:lvl5pPr>
-            <a:lvl6pPr marL="1714471" indent="0" algn="ctr">
+            <a:lvl6pPr marL="1714500" indent="0" algn="ctr">
               <a:buNone/>
               <a:defRPr sz="1200"/>
             </a:lvl6pPr>
-            <a:lvl7pPr marL="2057364" indent="0" algn="ctr">
+            <a:lvl7pPr marL="2057400" indent="0" algn="ctr">
               <a:buNone/>
               <a:defRPr sz="1200"/>
             </a:lvl7pPr>
-            <a:lvl8pPr marL="2400259" indent="0" algn="ctr">
+            <a:lvl8pPr marL="2400300" indent="0" algn="ctr">
               <a:buNone/>
               <a:defRPr sz="1200"/>
             </a:lvl8pPr>
-            <a:lvl9pPr marL="2743152" indent="0" algn="ctr">
+            <a:lvl9pPr marL="2743200" indent="0" algn="ctr">
               <a:buNone/>
               <a:defRPr sz="1200"/>
             </a:lvl9pPr>
@@ -680,7 +685,7 @@
           <a:p>
             <a:fld id="{4B8666A9-AA14-F44D-9D8B-909278E20C59}" type="datetimeFigureOut">
               <a:rPr lang="en-US" smtClean="0"/>
-              <a:t>2/17/25</a:t>
+              <a:t>2/22/25</a:t>
             </a:fld>
             <a:endParaRPr lang="en-US"/>
           </a:p>
@@ -731,7 +736,7 @@
     </p:spTree>
     <p:extLst>
       <p:ext uri="{BB962C8B-B14F-4D97-AF65-F5344CB8AC3E}">
-        <p14:creationId xmlns:p14="http://schemas.microsoft.com/office/powerpoint/2010/main" val="3710850378"/>
+        <p14:creationId xmlns:p14="http://schemas.microsoft.com/office/powerpoint/2010/main" val="4174340434"/>
       </p:ext>
     </p:extLst>
   </p:cSld>
@@ -850,7 +855,7 @@
           <a:p>
             <a:fld id="{4B8666A9-AA14-F44D-9D8B-909278E20C59}" type="datetimeFigureOut">
               <a:rPr lang="en-US" smtClean="0"/>
-              <a:t>2/17/25</a:t>
+              <a:t>2/22/25</a:t>
             </a:fld>
             <a:endParaRPr lang="en-US"/>
           </a:p>
@@ -901,7 +906,7 @@
     </p:spTree>
     <p:extLst>
       <p:ext uri="{BB962C8B-B14F-4D97-AF65-F5344CB8AC3E}">
-        <p14:creationId xmlns:p14="http://schemas.microsoft.com/office/powerpoint/2010/main" val="597585751"/>
+        <p14:creationId xmlns:p14="http://schemas.microsoft.com/office/powerpoint/2010/main" val="172152086"/>
       </p:ext>
     </p:extLst>
   </p:cSld>
@@ -940,8 +945,8 @@
         </p:nvSpPr>
         <p:spPr>
           <a:xfrm>
-            <a:off x="4907758" y="649111"/>
-            <a:ext cx="1478756" cy="10332156"/>
+            <a:off x="4907757" y="438150"/>
+            <a:ext cx="1478756" cy="6974206"/>
           </a:xfrm>
         </p:spPr>
         <p:txBody>
@@ -968,8 +973,8 @@
         </p:nvSpPr>
         <p:spPr>
           <a:xfrm>
-            <a:off x="471489" y="649111"/>
-            <a:ext cx="4350544" cy="10332156"/>
+            <a:off x="471488" y="438150"/>
+            <a:ext cx="4350544" cy="6974206"/>
           </a:xfrm>
         </p:spPr>
         <p:txBody>
@@ -1030,7 +1035,7 @@
           <a:p>
             <a:fld id="{4B8666A9-AA14-F44D-9D8B-909278E20C59}" type="datetimeFigureOut">
               <a:rPr lang="en-US" smtClean="0"/>
-              <a:t>2/17/25</a:t>
+              <a:t>2/22/25</a:t>
             </a:fld>
             <a:endParaRPr lang="en-US"/>
           </a:p>
@@ -1081,7 +1086,7 @@
     </p:spTree>
     <p:extLst>
       <p:ext uri="{BB962C8B-B14F-4D97-AF65-F5344CB8AC3E}">
-        <p14:creationId xmlns:p14="http://schemas.microsoft.com/office/powerpoint/2010/main" val="1727776954"/>
+        <p14:creationId xmlns:p14="http://schemas.microsoft.com/office/powerpoint/2010/main" val="589310938"/>
       </p:ext>
     </p:extLst>
   </p:cSld>
@@ -1200,7 +1205,7 @@
           <a:p>
             <a:fld id="{4B8666A9-AA14-F44D-9D8B-909278E20C59}" type="datetimeFigureOut">
               <a:rPr lang="en-US" smtClean="0"/>
-              <a:t>2/17/25</a:t>
+              <a:t>2/22/25</a:t>
             </a:fld>
             <a:endParaRPr lang="en-US"/>
           </a:p>
@@ -1251,7 +1256,7 @@
     </p:spTree>
     <p:extLst>
       <p:ext uri="{BB962C8B-B14F-4D97-AF65-F5344CB8AC3E}">
-        <p14:creationId xmlns:p14="http://schemas.microsoft.com/office/powerpoint/2010/main" val="2271369030"/>
+        <p14:creationId xmlns:p14="http://schemas.microsoft.com/office/powerpoint/2010/main" val="1803159748"/>
       </p:ext>
     </p:extLst>
   </p:cSld>
@@ -1290,15 +1295,15 @@
         </p:nvSpPr>
         <p:spPr>
           <a:xfrm>
-            <a:off x="467917" y="3039537"/>
-            <a:ext cx="5915025" cy="5071532"/>
+            <a:off x="467916" y="2051688"/>
+            <a:ext cx="5915025" cy="3423284"/>
           </a:xfrm>
         </p:spPr>
         <p:txBody>
           <a:bodyPr anchor="b"/>
           <a:lstStyle>
             <a:lvl1pPr>
-              <a:defRPr sz="4501"/>
+              <a:defRPr sz="4500"/>
             </a:lvl1pPr>
           </a:lstStyle>
           <a:p>
@@ -1322,8 +1327,8 @@
         </p:nvSpPr>
         <p:spPr>
           <a:xfrm>
-            <a:off x="467917" y="8159048"/>
-            <a:ext cx="5915025" cy="2666999"/>
+            <a:off x="467916" y="5507358"/>
+            <a:ext cx="5915025" cy="1800224"/>
           </a:xfrm>
         </p:spPr>
         <p:txBody>
@@ -1339,9 +1344,9 @@
                 </a:solidFill>
               </a:defRPr>
             </a:lvl1pPr>
-            <a:lvl2pPr marL="342895" indent="0">
-              <a:buNone/>
-              <a:defRPr sz="1501">
+            <a:lvl2pPr marL="342900" indent="0">
+              <a:buNone/>
+              <a:defRPr sz="1500">
                 <a:solidFill>
                   <a:schemeClr val="tx1">
                     <a:shade val="82000"/>
@@ -1349,7 +1354,7 @@
                 </a:solidFill>
               </a:defRPr>
             </a:lvl2pPr>
-            <a:lvl3pPr marL="685788" indent="0">
+            <a:lvl3pPr marL="685800" indent="0">
               <a:buNone/>
               <a:defRPr sz="1350">
                 <a:solidFill>
@@ -1359,7 +1364,7 @@
                 </a:solidFill>
               </a:defRPr>
             </a:lvl3pPr>
-            <a:lvl4pPr marL="1028683" indent="0">
+            <a:lvl4pPr marL="1028700" indent="0">
               <a:buNone/>
               <a:defRPr sz="1200">
                 <a:solidFill>
@@ -1369,7 +1374,7 @@
                 </a:solidFill>
               </a:defRPr>
             </a:lvl4pPr>
-            <a:lvl5pPr marL="1371576" indent="0">
+            <a:lvl5pPr marL="1371600" indent="0">
               <a:buNone/>
               <a:defRPr sz="1200">
                 <a:solidFill>
@@ -1379,7 +1384,7 @@
                 </a:solidFill>
               </a:defRPr>
             </a:lvl5pPr>
-            <a:lvl6pPr marL="1714471" indent="0">
+            <a:lvl6pPr marL="1714500" indent="0">
               <a:buNone/>
               <a:defRPr sz="1200">
                 <a:solidFill>
@@ -1389,7 +1394,7 @@
                 </a:solidFill>
               </a:defRPr>
             </a:lvl6pPr>
-            <a:lvl7pPr marL="2057364" indent="0">
+            <a:lvl7pPr marL="2057400" indent="0">
               <a:buNone/>
               <a:defRPr sz="1200">
                 <a:solidFill>
@@ -1399,7 +1404,7 @@
                 </a:solidFill>
               </a:defRPr>
             </a:lvl7pPr>
-            <a:lvl8pPr marL="2400259" indent="0">
+            <a:lvl8pPr marL="2400300" indent="0">
               <a:buNone/>
               <a:defRPr sz="1200">
                 <a:solidFill>
@@ -1409,7 +1414,7 @@
                 </a:solidFill>
               </a:defRPr>
             </a:lvl8pPr>
-            <a:lvl9pPr marL="2743152" indent="0">
+            <a:lvl9pPr marL="2743200" indent="0">
               <a:buNone/>
               <a:defRPr sz="1200">
                 <a:solidFill>
@@ -1446,7 +1451,7 @@
           <a:p>
             <a:fld id="{4B8666A9-AA14-F44D-9D8B-909278E20C59}" type="datetimeFigureOut">
               <a:rPr lang="en-US" smtClean="0"/>
-              <a:t>2/17/25</a:t>
+              <a:t>2/22/25</a:t>
             </a:fld>
             <a:endParaRPr lang="en-US"/>
           </a:p>
@@ -1497,7 +1502,7 @@
     </p:spTree>
     <p:extLst>
       <p:ext uri="{BB962C8B-B14F-4D97-AF65-F5344CB8AC3E}">
-        <p14:creationId xmlns:p14="http://schemas.microsoft.com/office/powerpoint/2010/main" val="2564803744"/>
+        <p14:creationId xmlns:p14="http://schemas.microsoft.com/office/powerpoint/2010/main" val="3590753122"/>
       </p:ext>
     </p:extLst>
   </p:cSld>
@@ -1559,8 +1564,8 @@
         </p:nvSpPr>
         <p:spPr>
           <a:xfrm>
-            <a:off x="471488" y="3245556"/>
-            <a:ext cx="2914650" cy="7735712"/>
+            <a:off x="471488" y="2190750"/>
+            <a:ext cx="2914650" cy="5221606"/>
           </a:xfrm>
         </p:spPr>
         <p:txBody>
@@ -1616,8 +1621,8 @@
         </p:nvSpPr>
         <p:spPr>
           <a:xfrm>
-            <a:off x="3471863" y="3245556"/>
-            <a:ext cx="2914650" cy="7735712"/>
+            <a:off x="3471863" y="2190750"/>
+            <a:ext cx="2914650" cy="5221606"/>
           </a:xfrm>
         </p:spPr>
         <p:txBody>
@@ -1678,7 +1683,7 @@
           <a:p>
             <a:fld id="{4B8666A9-AA14-F44D-9D8B-909278E20C59}" type="datetimeFigureOut">
               <a:rPr lang="en-US" smtClean="0"/>
-              <a:t>2/17/25</a:t>
+              <a:t>2/22/25</a:t>
             </a:fld>
             <a:endParaRPr lang="en-US"/>
           </a:p>
@@ -1729,7 +1734,7 @@
     </p:spTree>
     <p:extLst>
       <p:ext uri="{BB962C8B-B14F-4D97-AF65-F5344CB8AC3E}">
-        <p14:creationId xmlns:p14="http://schemas.microsoft.com/office/powerpoint/2010/main" val="3332160949"/>
+        <p14:creationId xmlns:p14="http://schemas.microsoft.com/office/powerpoint/2010/main" val="835279784"/>
       </p:ext>
     </p:extLst>
   </p:cSld>
@@ -1768,8 +1773,8 @@
         </p:nvSpPr>
         <p:spPr>
           <a:xfrm>
-            <a:off x="472382" y="649115"/>
-            <a:ext cx="5915025" cy="2356556"/>
+            <a:off x="472381" y="438152"/>
+            <a:ext cx="5915025" cy="1590676"/>
           </a:xfrm>
         </p:spPr>
         <p:txBody>
@@ -1796,8 +1801,8 @@
         </p:nvSpPr>
         <p:spPr>
           <a:xfrm>
-            <a:off x="472382" y="2988735"/>
-            <a:ext cx="2901255" cy="1464732"/>
+            <a:off x="472381" y="2017396"/>
+            <a:ext cx="2901255" cy="988694"/>
           </a:xfrm>
         </p:spPr>
         <p:txBody>
@@ -1807,35 +1812,35 @@
               <a:buNone/>
               <a:defRPr sz="1800" b="1"/>
             </a:lvl1pPr>
-            <a:lvl2pPr marL="342895" indent="0">
-              <a:buNone/>
-              <a:defRPr sz="1501" b="1"/>
+            <a:lvl2pPr marL="342900" indent="0">
+              <a:buNone/>
+              <a:defRPr sz="1500" b="1"/>
             </a:lvl2pPr>
-            <a:lvl3pPr marL="685788" indent="0">
+            <a:lvl3pPr marL="685800" indent="0">
               <a:buNone/>
               <a:defRPr sz="1350" b="1"/>
             </a:lvl3pPr>
-            <a:lvl4pPr marL="1028683" indent="0">
+            <a:lvl4pPr marL="1028700" indent="0">
               <a:buNone/>
               <a:defRPr sz="1200" b="1"/>
             </a:lvl4pPr>
-            <a:lvl5pPr marL="1371576" indent="0">
+            <a:lvl5pPr marL="1371600" indent="0">
               <a:buNone/>
               <a:defRPr sz="1200" b="1"/>
             </a:lvl5pPr>
-            <a:lvl6pPr marL="1714471" indent="0">
+            <a:lvl6pPr marL="1714500" indent="0">
               <a:buNone/>
               <a:defRPr sz="1200" b="1"/>
             </a:lvl6pPr>
-            <a:lvl7pPr marL="2057364" indent="0">
+            <a:lvl7pPr marL="2057400" indent="0">
               <a:buNone/>
               <a:defRPr sz="1200" b="1"/>
             </a:lvl7pPr>
-            <a:lvl8pPr marL="2400259" indent="0">
+            <a:lvl8pPr marL="2400300" indent="0">
               <a:buNone/>
               <a:defRPr sz="1200" b="1"/>
             </a:lvl8pPr>
-            <a:lvl9pPr marL="2743152" indent="0">
+            <a:lvl9pPr marL="2743200" indent="0">
               <a:buNone/>
               <a:defRPr sz="1200" b="1"/>
             </a:lvl9pPr>
@@ -1861,8 +1866,8 @@
         </p:nvSpPr>
         <p:spPr>
           <a:xfrm>
-            <a:off x="472382" y="4453469"/>
-            <a:ext cx="2901255" cy="6550379"/>
+            <a:off x="472381" y="3006090"/>
+            <a:ext cx="2901255" cy="4421506"/>
           </a:xfrm>
         </p:spPr>
         <p:txBody>
@@ -1918,8 +1923,8 @@
         </p:nvSpPr>
         <p:spPr>
           <a:xfrm>
-            <a:off x="3471864" y="2988735"/>
-            <a:ext cx="2915543" cy="1464732"/>
+            <a:off x="3471863" y="2017396"/>
+            <a:ext cx="2915543" cy="988694"/>
           </a:xfrm>
         </p:spPr>
         <p:txBody>
@@ -1929,35 +1934,35 @@
               <a:buNone/>
               <a:defRPr sz="1800" b="1"/>
             </a:lvl1pPr>
-            <a:lvl2pPr marL="342895" indent="0">
-              <a:buNone/>
-              <a:defRPr sz="1501" b="1"/>
+            <a:lvl2pPr marL="342900" indent="0">
+              <a:buNone/>
+              <a:defRPr sz="1500" b="1"/>
             </a:lvl2pPr>
-            <a:lvl3pPr marL="685788" indent="0">
+            <a:lvl3pPr marL="685800" indent="0">
               <a:buNone/>
               <a:defRPr sz="1350" b="1"/>
             </a:lvl3pPr>
-            <a:lvl4pPr marL="1028683" indent="0">
+            <a:lvl4pPr marL="1028700" indent="0">
               <a:buNone/>
               <a:defRPr sz="1200" b="1"/>
             </a:lvl4pPr>
-            <a:lvl5pPr marL="1371576" indent="0">
+            <a:lvl5pPr marL="1371600" indent="0">
               <a:buNone/>
               <a:defRPr sz="1200" b="1"/>
             </a:lvl5pPr>
-            <a:lvl6pPr marL="1714471" indent="0">
+            <a:lvl6pPr marL="1714500" indent="0">
               <a:buNone/>
               <a:defRPr sz="1200" b="1"/>
             </a:lvl6pPr>
-            <a:lvl7pPr marL="2057364" indent="0">
+            <a:lvl7pPr marL="2057400" indent="0">
               <a:buNone/>
               <a:defRPr sz="1200" b="1"/>
             </a:lvl7pPr>
-            <a:lvl8pPr marL="2400259" indent="0">
+            <a:lvl8pPr marL="2400300" indent="0">
               <a:buNone/>
               <a:defRPr sz="1200" b="1"/>
             </a:lvl8pPr>
-            <a:lvl9pPr marL="2743152" indent="0">
+            <a:lvl9pPr marL="2743200" indent="0">
               <a:buNone/>
               <a:defRPr sz="1200" b="1"/>
             </a:lvl9pPr>
@@ -1983,8 +1988,8 @@
         </p:nvSpPr>
         <p:spPr>
           <a:xfrm>
-            <a:off x="3471864" y="4453469"/>
-            <a:ext cx="2915543" cy="6550379"/>
+            <a:off x="3471863" y="3006090"/>
+            <a:ext cx="2915543" cy="4421506"/>
           </a:xfrm>
         </p:spPr>
         <p:txBody>
@@ -2045,7 +2050,7 @@
           <a:p>
             <a:fld id="{4B8666A9-AA14-F44D-9D8B-909278E20C59}" type="datetimeFigureOut">
               <a:rPr lang="en-US" smtClean="0"/>
-              <a:t>2/17/25</a:t>
+              <a:t>2/22/25</a:t>
             </a:fld>
             <a:endParaRPr lang="en-US"/>
           </a:p>
@@ -2096,7 +2101,7 @@
     </p:spTree>
     <p:extLst>
       <p:ext uri="{BB962C8B-B14F-4D97-AF65-F5344CB8AC3E}">
-        <p14:creationId xmlns:p14="http://schemas.microsoft.com/office/powerpoint/2010/main" val="4020238720"/>
+        <p14:creationId xmlns:p14="http://schemas.microsoft.com/office/powerpoint/2010/main" val="607536107"/>
       </p:ext>
     </p:extLst>
   </p:cSld>
@@ -2163,7 +2168,7 @@
           <a:p>
             <a:fld id="{4B8666A9-AA14-F44D-9D8B-909278E20C59}" type="datetimeFigureOut">
               <a:rPr lang="en-US" smtClean="0"/>
-              <a:t>2/17/25</a:t>
+              <a:t>2/22/25</a:t>
             </a:fld>
             <a:endParaRPr lang="en-US"/>
           </a:p>
@@ -2214,7 +2219,7 @@
     </p:spTree>
     <p:extLst>
       <p:ext uri="{BB962C8B-B14F-4D97-AF65-F5344CB8AC3E}">
-        <p14:creationId xmlns:p14="http://schemas.microsoft.com/office/powerpoint/2010/main" val="3526200313"/>
+        <p14:creationId xmlns:p14="http://schemas.microsoft.com/office/powerpoint/2010/main" val="4234043670"/>
       </p:ext>
     </p:extLst>
   </p:cSld>
@@ -2258,7 +2263,7 @@
           <a:p>
             <a:fld id="{4B8666A9-AA14-F44D-9D8B-909278E20C59}" type="datetimeFigureOut">
               <a:rPr lang="en-US" smtClean="0"/>
-              <a:t>2/17/25</a:t>
+              <a:t>2/22/25</a:t>
             </a:fld>
             <a:endParaRPr lang="en-US"/>
           </a:p>
@@ -2309,7 +2314,7 @@
     </p:spTree>
     <p:extLst>
       <p:ext uri="{BB962C8B-B14F-4D97-AF65-F5344CB8AC3E}">
-        <p14:creationId xmlns:p14="http://schemas.microsoft.com/office/powerpoint/2010/main" val="2889727622"/>
+        <p14:creationId xmlns:p14="http://schemas.microsoft.com/office/powerpoint/2010/main" val="3838590508"/>
       </p:ext>
     </p:extLst>
   </p:cSld>
@@ -2348,8 +2353,8 @@
         </p:nvSpPr>
         <p:spPr>
           <a:xfrm>
-            <a:off x="472381" y="812800"/>
-            <a:ext cx="2211884" cy="2844800"/>
+            <a:off x="472381" y="548640"/>
+            <a:ext cx="2211884" cy="1920240"/>
           </a:xfrm>
         </p:spPr>
         <p:txBody>
@@ -2380,8 +2385,8 @@
         </p:nvSpPr>
         <p:spPr>
           <a:xfrm>
-            <a:off x="2915544" y="1755426"/>
-            <a:ext cx="3471863" cy="8664222"/>
+            <a:off x="2915543" y="1184912"/>
+            <a:ext cx="3471863" cy="5848350"/>
           </a:xfrm>
         </p:spPr>
         <p:txBody>
@@ -2391,28 +2396,28 @@
               <a:defRPr sz="2400"/>
             </a:lvl1pPr>
             <a:lvl2pPr>
-              <a:defRPr sz="2101"/>
+              <a:defRPr sz="2100"/>
             </a:lvl2pPr>
             <a:lvl3pPr>
               <a:defRPr sz="1800"/>
             </a:lvl3pPr>
             <a:lvl4pPr>
-              <a:defRPr sz="1501"/>
+              <a:defRPr sz="1500"/>
             </a:lvl4pPr>
             <a:lvl5pPr>
-              <a:defRPr sz="1501"/>
+              <a:defRPr sz="1500"/>
             </a:lvl5pPr>
             <a:lvl6pPr>
-              <a:defRPr sz="1501"/>
+              <a:defRPr sz="1500"/>
             </a:lvl6pPr>
             <a:lvl7pPr>
-              <a:defRPr sz="1501"/>
+              <a:defRPr sz="1500"/>
             </a:lvl7pPr>
             <a:lvl8pPr>
-              <a:defRPr sz="1501"/>
+              <a:defRPr sz="1500"/>
             </a:lvl8pPr>
             <a:lvl9pPr>
-              <a:defRPr sz="1501"/>
+              <a:defRPr sz="1500"/>
             </a:lvl9pPr>
           </a:lstStyle>
           <a:p>
@@ -2465,8 +2470,8 @@
         </p:nvSpPr>
         <p:spPr>
           <a:xfrm>
-            <a:off x="472381" y="3657601"/>
-            <a:ext cx="2211884" cy="6776156"/>
+            <a:off x="472381" y="2468880"/>
+            <a:ext cx="2211884" cy="4573906"/>
           </a:xfrm>
         </p:spPr>
         <p:txBody>
@@ -2476,35 +2481,35 @@
               <a:buNone/>
               <a:defRPr sz="1200"/>
             </a:lvl1pPr>
-            <a:lvl2pPr marL="342895" indent="0">
+            <a:lvl2pPr marL="342900" indent="0">
               <a:buNone/>
               <a:defRPr sz="1050"/>
             </a:lvl2pPr>
-            <a:lvl3pPr marL="685788" indent="0">
-              <a:buNone/>
-              <a:defRPr sz="901"/>
+            <a:lvl3pPr marL="685800" indent="0">
+              <a:buNone/>
+              <a:defRPr sz="900"/>
             </a:lvl3pPr>
-            <a:lvl4pPr marL="1028683" indent="0">
+            <a:lvl4pPr marL="1028700" indent="0">
               <a:buNone/>
               <a:defRPr sz="750"/>
             </a:lvl4pPr>
-            <a:lvl5pPr marL="1371576" indent="0">
+            <a:lvl5pPr marL="1371600" indent="0">
               <a:buNone/>
               <a:defRPr sz="750"/>
             </a:lvl5pPr>
-            <a:lvl6pPr marL="1714471" indent="0">
+            <a:lvl6pPr marL="1714500" indent="0">
               <a:buNone/>
               <a:defRPr sz="750"/>
             </a:lvl6pPr>
-            <a:lvl7pPr marL="2057364" indent="0">
+            <a:lvl7pPr marL="2057400" indent="0">
               <a:buNone/>
               <a:defRPr sz="750"/>
             </a:lvl7pPr>
-            <a:lvl8pPr marL="2400259" indent="0">
+            <a:lvl8pPr marL="2400300" indent="0">
               <a:buNone/>
               <a:defRPr sz="750"/>
             </a:lvl8pPr>
-            <a:lvl9pPr marL="2743152" indent="0">
+            <a:lvl9pPr marL="2743200" indent="0">
               <a:buNone/>
               <a:defRPr sz="750"/>
             </a:lvl9pPr>
@@ -2535,7 +2540,7 @@
           <a:p>
             <a:fld id="{4B8666A9-AA14-F44D-9D8B-909278E20C59}" type="datetimeFigureOut">
               <a:rPr lang="en-US" smtClean="0"/>
-              <a:t>2/17/25</a:t>
+              <a:t>2/22/25</a:t>
             </a:fld>
             <a:endParaRPr lang="en-US"/>
           </a:p>
@@ -2586,7 +2591,7 @@
     </p:spTree>
     <p:extLst>
       <p:ext uri="{BB962C8B-B14F-4D97-AF65-F5344CB8AC3E}">
-        <p14:creationId xmlns:p14="http://schemas.microsoft.com/office/powerpoint/2010/main" val="603920763"/>
+        <p14:creationId xmlns:p14="http://schemas.microsoft.com/office/powerpoint/2010/main" val="3180972851"/>
       </p:ext>
     </p:extLst>
   </p:cSld>
@@ -2625,8 +2630,8 @@
         </p:nvSpPr>
         <p:spPr>
           <a:xfrm>
-            <a:off x="472381" y="812800"/>
-            <a:ext cx="2211884" cy="2844800"/>
+            <a:off x="472381" y="548640"/>
+            <a:ext cx="2211884" cy="1920240"/>
           </a:xfrm>
         </p:spPr>
         <p:txBody>
@@ -2657,8 +2662,8 @@
         </p:nvSpPr>
         <p:spPr>
           <a:xfrm>
-            <a:off x="2915544" y="1755426"/>
-            <a:ext cx="3471863" cy="8664222"/>
+            <a:off x="2915543" y="1184912"/>
+            <a:ext cx="3471863" cy="5848350"/>
           </a:xfrm>
         </p:spPr>
         <p:txBody>
@@ -2668,37 +2673,37 @@
               <a:buNone/>
               <a:defRPr sz="2400"/>
             </a:lvl1pPr>
-            <a:lvl2pPr marL="342895" indent="0">
-              <a:buNone/>
-              <a:defRPr sz="2101"/>
+            <a:lvl2pPr marL="342900" indent="0">
+              <a:buNone/>
+              <a:defRPr sz="2100"/>
             </a:lvl2pPr>
-            <a:lvl3pPr marL="685788" indent="0">
+            <a:lvl3pPr marL="685800" indent="0">
               <a:buNone/>
               <a:defRPr sz="1800"/>
             </a:lvl3pPr>
-            <a:lvl4pPr marL="1028683" indent="0">
-              <a:buNone/>
-              <a:defRPr sz="1501"/>
+            <a:lvl4pPr marL="1028700" indent="0">
+              <a:buNone/>
+              <a:defRPr sz="1500"/>
             </a:lvl4pPr>
-            <a:lvl5pPr marL="1371576" indent="0">
-              <a:buNone/>
-              <a:defRPr sz="1501"/>
+            <a:lvl5pPr marL="1371600" indent="0">
+              <a:buNone/>
+              <a:defRPr sz="1500"/>
             </a:lvl5pPr>
-            <a:lvl6pPr marL="1714471" indent="0">
-              <a:buNone/>
-              <a:defRPr sz="1501"/>
+            <a:lvl6pPr marL="1714500" indent="0">
+              <a:buNone/>
+              <a:defRPr sz="1500"/>
             </a:lvl6pPr>
-            <a:lvl7pPr marL="2057364" indent="0">
-              <a:buNone/>
-              <a:defRPr sz="1501"/>
+            <a:lvl7pPr marL="2057400" indent="0">
+              <a:buNone/>
+              <a:defRPr sz="1500"/>
             </a:lvl7pPr>
-            <a:lvl8pPr marL="2400259" indent="0">
-              <a:buNone/>
-              <a:defRPr sz="1501"/>
+            <a:lvl8pPr marL="2400300" indent="0">
+              <a:buNone/>
+              <a:defRPr sz="1500"/>
             </a:lvl8pPr>
-            <a:lvl9pPr marL="2743152" indent="0">
-              <a:buNone/>
-              <a:defRPr sz="1501"/>
+            <a:lvl9pPr marL="2743200" indent="0">
+              <a:buNone/>
+              <a:defRPr sz="1500"/>
             </a:lvl9pPr>
           </a:lstStyle>
           <a:p>
@@ -2722,8 +2727,8 @@
         </p:nvSpPr>
         <p:spPr>
           <a:xfrm>
-            <a:off x="472381" y="3657601"/>
-            <a:ext cx="2211884" cy="6776156"/>
+            <a:off x="472381" y="2468880"/>
+            <a:ext cx="2211884" cy="4573906"/>
           </a:xfrm>
         </p:spPr>
         <p:txBody>
@@ -2733,35 +2738,35 @@
               <a:buNone/>
               <a:defRPr sz="1200"/>
             </a:lvl1pPr>
-            <a:lvl2pPr marL="342895" indent="0">
+            <a:lvl2pPr marL="342900" indent="0">
               <a:buNone/>
               <a:defRPr sz="1050"/>
             </a:lvl2pPr>
-            <a:lvl3pPr marL="685788" indent="0">
-              <a:buNone/>
-              <a:defRPr sz="901"/>
+            <a:lvl3pPr marL="685800" indent="0">
+              <a:buNone/>
+              <a:defRPr sz="900"/>
             </a:lvl3pPr>
-            <a:lvl4pPr marL="1028683" indent="0">
+            <a:lvl4pPr marL="1028700" indent="0">
               <a:buNone/>
               <a:defRPr sz="750"/>
             </a:lvl4pPr>
-            <a:lvl5pPr marL="1371576" indent="0">
+            <a:lvl5pPr marL="1371600" indent="0">
               <a:buNone/>
               <a:defRPr sz="750"/>
             </a:lvl5pPr>
-            <a:lvl6pPr marL="1714471" indent="0">
+            <a:lvl6pPr marL="1714500" indent="0">
               <a:buNone/>
               <a:defRPr sz="750"/>
             </a:lvl6pPr>
-            <a:lvl7pPr marL="2057364" indent="0">
+            <a:lvl7pPr marL="2057400" indent="0">
               <a:buNone/>
               <a:defRPr sz="750"/>
             </a:lvl7pPr>
-            <a:lvl8pPr marL="2400259" indent="0">
+            <a:lvl8pPr marL="2400300" indent="0">
               <a:buNone/>
               <a:defRPr sz="750"/>
             </a:lvl8pPr>
-            <a:lvl9pPr marL="2743152" indent="0">
+            <a:lvl9pPr marL="2743200" indent="0">
               <a:buNone/>
               <a:defRPr sz="750"/>
             </a:lvl9pPr>
@@ -2792,7 +2797,7 @@
           <a:p>
             <a:fld id="{4B8666A9-AA14-F44D-9D8B-909278E20C59}" type="datetimeFigureOut">
               <a:rPr lang="en-US" smtClean="0"/>
-              <a:t>2/17/25</a:t>
+              <a:t>2/22/25</a:t>
             </a:fld>
             <a:endParaRPr lang="en-US"/>
           </a:p>
@@ -2843,7 +2848,7 @@
     </p:spTree>
     <p:extLst>
       <p:ext uri="{BB962C8B-B14F-4D97-AF65-F5344CB8AC3E}">
-        <p14:creationId xmlns:p14="http://schemas.microsoft.com/office/powerpoint/2010/main" val="1846412244"/>
+        <p14:creationId xmlns:p14="http://schemas.microsoft.com/office/powerpoint/2010/main" val="607224708"/>
       </p:ext>
     </p:extLst>
   </p:cSld>
@@ -2887,8 +2892,8 @@
         </p:nvSpPr>
         <p:spPr>
           <a:xfrm>
-            <a:off x="471489" y="649115"/>
-            <a:ext cx="5915025" cy="2356556"/>
+            <a:off x="471488" y="438152"/>
+            <a:ext cx="5915025" cy="1590676"/>
           </a:xfrm>
           <a:prstGeom prst="rect">
             <a:avLst/>
@@ -2920,8 +2925,8 @@
         </p:nvSpPr>
         <p:spPr>
           <a:xfrm>
-            <a:off x="471489" y="3245556"/>
-            <a:ext cx="5915025" cy="7735712"/>
+            <a:off x="471488" y="2190750"/>
+            <a:ext cx="5915025" cy="5221606"/>
           </a:xfrm>
           <a:prstGeom prst="rect">
             <a:avLst/>
@@ -2982,8 +2987,8 @@
         </p:nvSpPr>
         <p:spPr>
           <a:xfrm>
-            <a:off x="471487" y="11300182"/>
-            <a:ext cx="1543050" cy="649112"/>
+            <a:off x="471487" y="7627622"/>
+            <a:ext cx="1543050" cy="438150"/>
           </a:xfrm>
           <a:prstGeom prst="rect">
             <a:avLst/>
@@ -2993,7 +2998,7 @@
           <a:bodyPr vert="horz" lIns="91440" tIns="45720" rIns="91440" bIns="45720" rtlCol="0" anchor="ctr"/>
           <a:lstStyle>
             <a:lvl1pPr algn="l">
-              <a:defRPr sz="901">
+              <a:defRPr sz="900">
                 <a:solidFill>
                   <a:schemeClr val="tx1">
                     <a:shade val="82000"/>
@@ -3005,7 +3010,7 @@
           <a:p>
             <a:fld id="{4B8666A9-AA14-F44D-9D8B-909278E20C59}" type="datetimeFigureOut">
               <a:rPr lang="en-US" smtClean="0"/>
-              <a:t>2/17/25</a:t>
+              <a:t>2/22/25</a:t>
             </a:fld>
             <a:endParaRPr lang="en-US"/>
           </a:p>
@@ -3023,8 +3028,8 @@
         </p:nvSpPr>
         <p:spPr>
           <a:xfrm>
-            <a:off x="2271714" y="11300182"/>
-            <a:ext cx="2314575" cy="649112"/>
+            <a:off x="2271713" y="7627622"/>
+            <a:ext cx="2314575" cy="438150"/>
           </a:xfrm>
           <a:prstGeom prst="rect">
             <a:avLst/>
@@ -3034,7 +3039,7 @@
           <a:bodyPr vert="horz" lIns="91440" tIns="45720" rIns="91440" bIns="45720" rtlCol="0" anchor="ctr"/>
           <a:lstStyle>
             <a:lvl1pPr algn="ctr">
-              <a:defRPr sz="901">
+              <a:defRPr sz="900">
                 <a:solidFill>
                   <a:schemeClr val="tx1">
                     <a:shade val="82000"/>
@@ -3060,8 +3065,8 @@
         </p:nvSpPr>
         <p:spPr>
           <a:xfrm>
-            <a:off x="4843463" y="11300182"/>
-            <a:ext cx="1543050" cy="649112"/>
+            <a:off x="4843463" y="7627622"/>
+            <a:ext cx="1543050" cy="438150"/>
           </a:xfrm>
           <a:prstGeom prst="rect">
             <a:avLst/>
@@ -3071,7 +3076,7 @@
           <a:bodyPr vert="horz" lIns="91440" tIns="45720" rIns="91440" bIns="45720" rtlCol="0" anchor="ctr"/>
           <a:lstStyle>
             <a:lvl1pPr algn="r">
-              <a:defRPr sz="901">
+              <a:defRPr sz="900">
                 <a:solidFill>
                   <a:schemeClr val="tx1">
                     <a:shade val="82000"/>
@@ -3092,27 +3097,27 @@
     </p:spTree>
     <p:extLst>
       <p:ext uri="{BB962C8B-B14F-4D97-AF65-F5344CB8AC3E}">
-        <p14:creationId xmlns:p14="http://schemas.microsoft.com/office/powerpoint/2010/main" val="3429706315"/>
+        <p14:creationId xmlns:p14="http://schemas.microsoft.com/office/powerpoint/2010/main" val="128694488"/>
       </p:ext>
     </p:extLst>
   </p:cSld>
   <p:clrMap bg1="dk1" tx1="lt1" bg2="dk2" tx2="lt2" accent1="accent1" accent2="accent2" accent3="accent3" accent4="accent4" accent5="accent5" accent6="accent6" hlink="hlink" folHlink="folHlink"/>
   <p:sldLayoutIdLst>
-    <p:sldLayoutId id="2147483673" r:id="rId1"/>
-    <p:sldLayoutId id="2147483674" r:id="rId2"/>
-    <p:sldLayoutId id="2147483675" r:id="rId3"/>
-    <p:sldLayoutId id="2147483676" r:id="rId4"/>
-    <p:sldLayoutId id="2147483677" r:id="rId5"/>
-    <p:sldLayoutId id="2147483678" r:id="rId6"/>
-    <p:sldLayoutId id="2147483679" r:id="rId7"/>
-    <p:sldLayoutId id="2147483680" r:id="rId8"/>
-    <p:sldLayoutId id="2147483681" r:id="rId9"/>
-    <p:sldLayoutId id="2147483682" r:id="rId10"/>
-    <p:sldLayoutId id="2147483683" r:id="rId11"/>
+    <p:sldLayoutId id="2147483721" r:id="rId1"/>
+    <p:sldLayoutId id="2147483722" r:id="rId2"/>
+    <p:sldLayoutId id="2147483723" r:id="rId3"/>
+    <p:sldLayoutId id="2147483724" r:id="rId4"/>
+    <p:sldLayoutId id="2147483725" r:id="rId5"/>
+    <p:sldLayoutId id="2147483726" r:id="rId6"/>
+    <p:sldLayoutId id="2147483727" r:id="rId7"/>
+    <p:sldLayoutId id="2147483728" r:id="rId8"/>
+    <p:sldLayoutId id="2147483729" r:id="rId9"/>
+    <p:sldLayoutId id="2147483730" r:id="rId10"/>
+    <p:sldLayoutId id="2147483731" r:id="rId11"/>
   </p:sldLayoutIdLst>
   <p:txStyles>
     <p:titleStyle>
-      <a:lvl1pPr algn="l" defTabSz="685788" rtl="0" eaLnBrk="1" latinLnBrk="0" hangingPunct="1">
+      <a:lvl1pPr algn="l" defTabSz="685800" rtl="0" eaLnBrk="1" latinLnBrk="0" hangingPunct="1">
         <a:lnSpc>
           <a:spcPct val="90000"/>
         </a:lnSpc>
@@ -3120,7 +3125,7 @@
           <a:spcPct val="0"/>
         </a:spcBef>
         <a:buNone/>
-        <a:defRPr sz="3301" kern="1200">
+        <a:defRPr sz="3300" kern="1200">
           <a:solidFill>
             <a:schemeClr val="tx1"/>
           </a:solidFill>
@@ -3131,7 +3136,7 @@
       </a:lvl1pPr>
     </p:titleStyle>
     <p:bodyStyle>
-      <a:lvl1pPr marL="171447" indent="-171447" algn="l" defTabSz="685788" rtl="0" eaLnBrk="1" latinLnBrk="0" hangingPunct="1">
+      <a:lvl1pPr marL="171450" indent="-171450" algn="l" defTabSz="685800" rtl="0" eaLnBrk="1" latinLnBrk="0" hangingPunct="1">
         <a:lnSpc>
           <a:spcPct val="90000"/>
         </a:lnSpc>
@@ -3140,7 +3145,7 @@
         </a:spcBef>
         <a:buFont typeface="Arial" panose="020B0604020202020204" pitchFamily="34" charset="0"/>
         <a:buChar char="•"/>
-        <a:defRPr sz="2101" kern="1200">
+        <a:defRPr sz="2100" kern="1200">
           <a:solidFill>
             <a:schemeClr val="tx1"/>
           </a:solidFill>
@@ -3149,7 +3154,7 @@
           <a:cs typeface="+mn-cs"/>
         </a:defRPr>
       </a:lvl1pPr>
-      <a:lvl2pPr marL="514341" indent="-171447" algn="l" defTabSz="685788" rtl="0" eaLnBrk="1" latinLnBrk="0" hangingPunct="1">
+      <a:lvl2pPr marL="514350" indent="-171450" algn="l" defTabSz="685800" rtl="0" eaLnBrk="1" latinLnBrk="0" hangingPunct="1">
         <a:lnSpc>
           <a:spcPct val="90000"/>
         </a:lnSpc>
@@ -3167,7 +3172,7 @@
           <a:cs typeface="+mn-cs"/>
         </a:defRPr>
       </a:lvl2pPr>
-      <a:lvl3pPr marL="857235" indent="-171447" algn="l" defTabSz="685788" rtl="0" eaLnBrk="1" latinLnBrk="0" hangingPunct="1">
+      <a:lvl3pPr marL="857250" indent="-171450" algn="l" defTabSz="685800" rtl="0" eaLnBrk="1" latinLnBrk="0" hangingPunct="1">
         <a:lnSpc>
           <a:spcPct val="90000"/>
         </a:lnSpc>
@@ -3176,7 +3181,7 @@
         </a:spcBef>
         <a:buFont typeface="Arial" panose="020B0604020202020204" pitchFamily="34" charset="0"/>
         <a:buChar char="•"/>
-        <a:defRPr sz="1501" kern="1200">
+        <a:defRPr sz="1500" kern="1200">
           <a:solidFill>
             <a:schemeClr val="tx1"/>
           </a:solidFill>
@@ -3185,7 +3190,7 @@
           <a:cs typeface="+mn-cs"/>
         </a:defRPr>
       </a:lvl3pPr>
-      <a:lvl4pPr marL="1200129" indent="-171447" algn="l" defTabSz="685788" rtl="0" eaLnBrk="1" latinLnBrk="0" hangingPunct="1">
+      <a:lvl4pPr marL="1200150" indent="-171450" algn="l" defTabSz="685800" rtl="0" eaLnBrk="1" latinLnBrk="0" hangingPunct="1">
         <a:lnSpc>
           <a:spcPct val="90000"/>
         </a:lnSpc>
@@ -3203,7 +3208,7 @@
           <a:cs typeface="+mn-cs"/>
         </a:defRPr>
       </a:lvl4pPr>
-      <a:lvl5pPr marL="1543023" indent="-171447" algn="l" defTabSz="685788" rtl="0" eaLnBrk="1" latinLnBrk="0" hangingPunct="1">
+      <a:lvl5pPr marL="1543050" indent="-171450" algn="l" defTabSz="685800" rtl="0" eaLnBrk="1" latinLnBrk="0" hangingPunct="1">
         <a:lnSpc>
           <a:spcPct val="90000"/>
         </a:lnSpc>
@@ -3221,7 +3226,7 @@
           <a:cs typeface="+mn-cs"/>
         </a:defRPr>
       </a:lvl5pPr>
-      <a:lvl6pPr marL="1885917" indent="-171447" algn="l" defTabSz="685788" rtl="0" eaLnBrk="1" latinLnBrk="0" hangingPunct="1">
+      <a:lvl6pPr marL="1885950" indent="-171450" algn="l" defTabSz="685800" rtl="0" eaLnBrk="1" latinLnBrk="0" hangingPunct="1">
         <a:lnSpc>
           <a:spcPct val="90000"/>
         </a:lnSpc>
@@ -3239,7 +3244,7 @@
           <a:cs typeface="+mn-cs"/>
         </a:defRPr>
       </a:lvl6pPr>
-      <a:lvl7pPr marL="2228811" indent="-171447" algn="l" defTabSz="685788" rtl="0" eaLnBrk="1" latinLnBrk="0" hangingPunct="1">
+      <a:lvl7pPr marL="2228850" indent="-171450" algn="l" defTabSz="685800" rtl="0" eaLnBrk="1" latinLnBrk="0" hangingPunct="1">
         <a:lnSpc>
           <a:spcPct val="90000"/>
         </a:lnSpc>
@@ -3257,7 +3262,7 @@
           <a:cs typeface="+mn-cs"/>
         </a:defRPr>
       </a:lvl7pPr>
-      <a:lvl8pPr marL="2571705" indent="-171447" algn="l" defTabSz="685788" rtl="0" eaLnBrk="1" latinLnBrk="0" hangingPunct="1">
+      <a:lvl8pPr marL="2571750" indent="-171450" algn="l" defTabSz="685800" rtl="0" eaLnBrk="1" latinLnBrk="0" hangingPunct="1">
         <a:lnSpc>
           <a:spcPct val="90000"/>
         </a:lnSpc>
@@ -3275,7 +3280,7 @@
           <a:cs typeface="+mn-cs"/>
         </a:defRPr>
       </a:lvl8pPr>
-      <a:lvl9pPr marL="2914599" indent="-171447" algn="l" defTabSz="685788" rtl="0" eaLnBrk="1" latinLnBrk="0" hangingPunct="1">
+      <a:lvl9pPr marL="2914650" indent="-171450" algn="l" defTabSz="685800" rtl="0" eaLnBrk="1" latinLnBrk="0" hangingPunct="1">
         <a:lnSpc>
           <a:spcPct val="90000"/>
         </a:lnSpc>
@@ -3298,7 +3303,7 @@
       <a:defPPr>
         <a:defRPr lang="en-US"/>
       </a:defPPr>
-      <a:lvl1pPr marL="0" algn="l" defTabSz="685788" rtl="0" eaLnBrk="1" latinLnBrk="0" hangingPunct="1">
+      <a:lvl1pPr marL="0" algn="l" defTabSz="685800" rtl="0" eaLnBrk="1" latinLnBrk="0" hangingPunct="1">
         <a:defRPr sz="1350" kern="1200">
           <a:solidFill>
             <a:schemeClr val="tx1"/>
@@ -3308,7 +3313,7 @@
           <a:cs typeface="+mn-cs"/>
         </a:defRPr>
       </a:lvl1pPr>
-      <a:lvl2pPr marL="342895" algn="l" defTabSz="685788" rtl="0" eaLnBrk="1" latinLnBrk="0" hangingPunct="1">
+      <a:lvl2pPr marL="342900" algn="l" defTabSz="685800" rtl="0" eaLnBrk="1" latinLnBrk="0" hangingPunct="1">
         <a:defRPr sz="1350" kern="1200">
           <a:solidFill>
             <a:schemeClr val="tx1"/>
@@ -3318,7 +3323,7 @@
           <a:cs typeface="+mn-cs"/>
         </a:defRPr>
       </a:lvl2pPr>
-      <a:lvl3pPr marL="685788" algn="l" defTabSz="685788" rtl="0" eaLnBrk="1" latinLnBrk="0" hangingPunct="1">
+      <a:lvl3pPr marL="685800" algn="l" defTabSz="685800" rtl="0" eaLnBrk="1" latinLnBrk="0" hangingPunct="1">
         <a:defRPr sz="1350" kern="1200">
           <a:solidFill>
             <a:schemeClr val="tx1"/>
@@ -3328,7 +3333,7 @@
           <a:cs typeface="+mn-cs"/>
         </a:defRPr>
       </a:lvl3pPr>
-      <a:lvl4pPr marL="1028683" algn="l" defTabSz="685788" rtl="0" eaLnBrk="1" latinLnBrk="0" hangingPunct="1">
+      <a:lvl4pPr marL="1028700" algn="l" defTabSz="685800" rtl="0" eaLnBrk="1" latinLnBrk="0" hangingPunct="1">
         <a:defRPr sz="1350" kern="1200">
           <a:solidFill>
             <a:schemeClr val="tx1"/>
@@ -3338,7 +3343,7 @@
           <a:cs typeface="+mn-cs"/>
         </a:defRPr>
       </a:lvl4pPr>
-      <a:lvl5pPr marL="1371576" algn="l" defTabSz="685788" rtl="0" eaLnBrk="1" latinLnBrk="0" hangingPunct="1">
+      <a:lvl5pPr marL="1371600" algn="l" defTabSz="685800" rtl="0" eaLnBrk="1" latinLnBrk="0" hangingPunct="1">
         <a:defRPr sz="1350" kern="1200">
           <a:solidFill>
             <a:schemeClr val="tx1"/>
@@ -3348,7 +3353,7 @@
           <a:cs typeface="+mn-cs"/>
         </a:defRPr>
       </a:lvl5pPr>
-      <a:lvl6pPr marL="1714471" algn="l" defTabSz="685788" rtl="0" eaLnBrk="1" latinLnBrk="0" hangingPunct="1">
+      <a:lvl6pPr marL="1714500" algn="l" defTabSz="685800" rtl="0" eaLnBrk="1" latinLnBrk="0" hangingPunct="1">
         <a:defRPr sz="1350" kern="1200">
           <a:solidFill>
             <a:schemeClr val="tx1"/>
@@ -3358,7 +3363,7 @@
           <a:cs typeface="+mn-cs"/>
         </a:defRPr>
       </a:lvl6pPr>
-      <a:lvl7pPr marL="2057364" algn="l" defTabSz="685788" rtl="0" eaLnBrk="1" latinLnBrk="0" hangingPunct="1">
+      <a:lvl7pPr marL="2057400" algn="l" defTabSz="685800" rtl="0" eaLnBrk="1" latinLnBrk="0" hangingPunct="1">
         <a:defRPr sz="1350" kern="1200">
           <a:solidFill>
             <a:schemeClr val="tx1"/>
@@ -3368,7 +3373,7 @@
           <a:cs typeface="+mn-cs"/>
         </a:defRPr>
       </a:lvl7pPr>
-      <a:lvl8pPr marL="2400259" algn="l" defTabSz="685788" rtl="0" eaLnBrk="1" latinLnBrk="0" hangingPunct="1">
+      <a:lvl8pPr marL="2400300" algn="l" defTabSz="685800" rtl="0" eaLnBrk="1" latinLnBrk="0" hangingPunct="1">
         <a:defRPr sz="1350" kern="1200">
           <a:solidFill>
             <a:schemeClr val="tx1"/>
@@ -3378,7 +3383,7 @@
           <a:cs typeface="+mn-cs"/>
         </a:defRPr>
       </a:lvl8pPr>
-      <a:lvl9pPr marL="2743152" algn="l" defTabSz="685788" rtl="0" eaLnBrk="1" latinLnBrk="0" hangingPunct="1">
+      <a:lvl9pPr marL="2743200" algn="l" defTabSz="685800" rtl="0" eaLnBrk="1" latinLnBrk="0" hangingPunct="1">
         <a:defRPr sz="1350" kern="1200">
           <a:solidFill>
             <a:schemeClr val="tx1"/>
@@ -3412,6 +3417,41 @@
       </p:grpSpPr>
       <p:pic>
         <p:nvPicPr>
+          <p:cNvPr id="19" name="Picture 18" descr="A screenshot of a graph&#10;&#10;AI-generated content may be incorrect.">
+            <a:extLst>
+              <a:ext uri="{FF2B5EF4-FFF2-40B4-BE49-F238E27FC236}">
+                <a16:creationId xmlns:a16="http://schemas.microsoft.com/office/drawing/2014/main" id="{9A19C2B2-7AE8-6891-C560-60DA5C791887}"/>
+              </a:ext>
+            </a:extLst>
+          </p:cNvPr>
+          <p:cNvPicPr>
+            <a:picLocks noChangeAspect="1"/>
+          </p:cNvPicPr>
+          <p:nvPr/>
+        </p:nvPicPr>
+        <p:blipFill>
+          <a:blip r:embed="rId2">
+            <a:extLst>
+              <a:ext uri="{28A0092B-C50C-407E-A947-70E740481C1C}">
+                <a14:useLocalDpi xmlns:a14="http://schemas.microsoft.com/office/drawing/2010/main"/>
+              </a:ext>
+            </a:extLst>
+          </a:blip>
+          <a:srcRect l="768" t="1532" r="815" b="1720"/>
+          <a:stretch/>
+        </p:blipFill>
+        <p:spPr>
+          <a:xfrm>
+            <a:off x="108544" y="5186558"/>
+            <a:ext cx="6749456" cy="2940553"/>
+          </a:xfrm>
+          <a:prstGeom prst="rect">
+            <a:avLst/>
+          </a:prstGeom>
+        </p:spPr>
+      </p:pic>
+      <p:pic>
+        <p:nvPicPr>
           <p:cNvPr id="7" name="Picture 6">
             <a:extLst>
               <a:ext uri="{FF2B5EF4-FFF2-40B4-BE49-F238E27FC236}">
@@ -3425,13 +3465,19 @@
           <p:nvPr/>
         </p:nvPicPr>
         <p:blipFill rotWithShape="1">
-          <a:blip r:embed="rId2"/>
-          <a:srcRect t="2834"/>
+          <a:blip r:embed="rId3">
+            <a:extLst>
+              <a:ext uri="{28A0092B-C50C-407E-A947-70E740481C1C}">
+                <a14:useLocalDpi xmlns:a14="http://schemas.microsoft.com/office/drawing/2010/main"/>
+              </a:ext>
+            </a:extLst>
+          </a:blip>
+          <a:srcRect/>
           <a:stretch/>
         </p:blipFill>
         <p:spPr>
           <a:xfrm>
-            <a:off x="0" y="1176481"/>
+            <a:off x="-3545" y="1214065"/>
             <a:ext cx="2931076" cy="3774748"/>
           </a:xfrm>
           <a:prstGeom prst="rect">
@@ -3454,14 +3500,20 @@
           <p:nvPr/>
         </p:nvPicPr>
         <p:blipFill>
-          <a:blip r:embed="rId3"/>
-          <a:srcRect t="2854"/>
+          <a:blip r:embed="rId4">
+            <a:extLst>
+              <a:ext uri="{28A0092B-C50C-407E-A947-70E740481C1C}">
+                <a14:useLocalDpi xmlns:a14="http://schemas.microsoft.com/office/drawing/2010/main"/>
+              </a:ext>
+            </a:extLst>
+          </a:blip>
+          <a:srcRect/>
           <a:stretch/>
         </p:blipFill>
         <p:spPr>
           <a:xfrm>
-            <a:off x="2931076" y="1203693"/>
-            <a:ext cx="3926924" cy="3747535"/>
+            <a:off x="2886384" y="1225640"/>
+            <a:ext cx="3943311" cy="3763173"/>
           </a:xfrm>
           <a:prstGeom prst="rect">
             <a:avLst/>
@@ -3482,7 +3534,7 @@
         </p:nvSpPr>
         <p:spPr>
           <a:xfrm>
-            <a:off x="265815" y="180755"/>
+            <a:off x="320085" y="230762"/>
             <a:ext cx="6326372" cy="584775"/>
           </a:xfrm>
           <a:prstGeom prst="rect">
@@ -3522,7 +3574,7 @@
         </p:nvSpPr>
         <p:spPr>
           <a:xfrm>
-            <a:off x="159487" y="712356"/>
+            <a:off x="217304" y="815537"/>
             <a:ext cx="6531935" cy="430631"/>
           </a:xfrm>
           <a:prstGeom prst="rect">
@@ -3544,40 +3596,11 @@
                 </a:solidFill>
                 <a:latin typeface=""/>
               </a:rPr>
-              <a:t>The ring of fire is a chain of composite volcanos that bounds the Pacific Ocean. But why are there so many, and what do they have in common?</a:t>
-            </a:r>
-          </a:p>
-        </p:txBody>
-      </p:sp>
-      <p:pic>
-        <p:nvPicPr>
-          <p:cNvPr id="27" name="Picture 26" descr="A screenshot of a video game&#10;&#10;AI-generated content may be incorrect.">
-            <a:extLst>
-              <a:ext uri="{FF2B5EF4-FFF2-40B4-BE49-F238E27FC236}">
-                <a16:creationId xmlns:a16="http://schemas.microsoft.com/office/drawing/2014/main" id="{06C77CF9-EC89-B673-D54E-1687D55826C0}"/>
-              </a:ext>
-            </a:extLst>
-          </p:cNvPr>
-          <p:cNvPicPr>
-            <a:picLocks noChangeAspect="1"/>
-          </p:cNvPicPr>
-          <p:nvPr/>
-        </p:nvPicPr>
-        <p:blipFill>
-          <a:blip r:embed="rId4"/>
-          <a:srcRect t="615" b="2753"/>
-          <a:stretch/>
-        </p:blipFill>
-        <p:spPr>
-          <a:xfrm>
-            <a:off x="-3545" y="5143733"/>
-            <a:ext cx="6858000" cy="2945331"/>
-          </a:xfrm>
-          <a:prstGeom prst="rect">
-            <a:avLst/>
-          </a:prstGeom>
-        </p:spPr>
-      </p:pic>
+              <a:t>Volcanoes form across the globe but are primarily clustered around the Pacific Ocean. What is so special about this region, and what do these volcanoes have in common?</a:t>
+            </a:r>
+          </a:p>
+        </p:txBody>
+      </p:sp>
       <p:sp>
         <p:nvSpPr>
           <p:cNvPr id="15" name="TextBox 14">
@@ -3592,8 +3615,8 @@
         </p:nvSpPr>
         <p:spPr>
           <a:xfrm>
-            <a:off x="2388321" y="6147604"/>
-            <a:ext cx="2604008" cy="646331"/>
+            <a:off x="2380121" y="6235355"/>
+            <a:ext cx="2678325" cy="784830"/>
           </a:xfrm>
           <a:prstGeom prst="rect">
             <a:avLst/>
@@ -3614,12 +3637,12 @@
                 </a:solidFill>
                 <a:latin typeface=""/>
               </a:rPr>
-              <a:t>Most rocks in the Ring of Fire are </a:t>
+              <a:t>Most rocks formed by volcanoes are </a:t>
             </a:r>
             <a:r>
               <a:rPr lang="en-US" sz="900" b="1" dirty="0">
                 <a:solidFill>
-                  <a:srgbClr val="B82F05"/>
+                  <a:srgbClr val="FEB817"/>
                 </a:solidFill>
                 <a:latin typeface=""/>
               </a:rPr>
@@ -3632,25 +3655,7 @@
                 </a:solidFill>
                 <a:latin typeface=""/>
               </a:rPr>
-              <a:t>. These rocks form formed when oceanic crust is pushed under the continental crust, creating a </a:t>
-            </a:r>
-            <a:r>
-              <a:rPr lang="en-US" sz="900" b="1" dirty="0">
-                <a:solidFill>
-                  <a:srgbClr val="FEB817"/>
-                </a:solidFill>
-                <a:latin typeface=""/>
-              </a:rPr>
-              <a:t>subduction zone</a:t>
-            </a:r>
-            <a:r>
-              <a:rPr lang="en-US" sz="900" b="1" dirty="0">
-                <a:solidFill>
-                  <a:srgbClr val="C0C0C0"/>
-                </a:solidFill>
-                <a:latin typeface=""/>
-              </a:rPr>
-              <a:t>. </a:t>
+              <a:t>. Andesites are formed when hot magma formed by the mixing of melted oceanic + continental crust explode from a volcano. </a:t>
             </a:r>
           </a:p>
         </p:txBody>
@@ -3669,8 +3674,8 @@
         </p:nvSpPr>
         <p:spPr>
           <a:xfrm>
-            <a:off x="2209800" y="2065688"/>
-            <a:ext cx="2049781" cy="1169551"/>
+            <a:off x="2191453" y="2283559"/>
+            <a:ext cx="2004391" cy="553998"/>
           </a:xfrm>
           <a:prstGeom prst="rect">
             <a:avLst/>
@@ -3689,10 +3694,18 @@
             <a:r>
               <a:rPr lang="en-US" sz="1000" b="1" dirty="0">
                 <a:solidFill>
+                  <a:srgbClr val="C0C0C0"/>
+                </a:solidFill>
+              </a:rPr>
+              <a:t>A specific type of volcano, a </a:t>
+            </a:r>
+            <a:r>
+              <a:rPr lang="en-US" sz="1000" b="1" dirty="0">
+                <a:solidFill>
                   <a:srgbClr val="B82F05"/>
                 </a:solidFill>
               </a:rPr>
-              <a:t>Composite volcanoes</a:t>
+              <a:t>composite or</a:t>
             </a:r>
             <a:r>
               <a:rPr lang="en-US" sz="1000" b="1" dirty="0">
@@ -3700,7 +3713,7 @@
                   <a:srgbClr val="C0C0C0"/>
                 </a:solidFill>
               </a:rPr>
-              <a:t>, or </a:t>
+              <a:t> </a:t>
             </a:r>
             <a:r>
               <a:rPr lang="en-US" sz="1000" b="1" dirty="0">
@@ -3708,7 +3721,7 @@
                   <a:srgbClr val="B82F05"/>
                 </a:solidFill>
               </a:rPr>
-              <a:t>stratovolcanoes</a:t>
+              <a:t>stratovolcano</a:t>
             </a:r>
             <a:r>
               <a:rPr lang="en-US" sz="1000" b="1" dirty="0">
@@ -3716,7 +3729,7 @@
                   <a:srgbClr val="C0C0C0"/>
                 </a:solidFill>
               </a:rPr>
-              <a:t>, form around the Pacific Ocean in a region called the Ring of Fire. When you picture a volcano, triangular and large, you are thinking of composite volcanoes. </a:t>
+              <a:t> dominates the Ring of Fire</a:t>
             </a:r>
           </a:p>
         </p:txBody>
@@ -3735,8 +3748,8 @@
         </p:nvSpPr>
         <p:spPr>
           <a:xfrm>
-            <a:off x="2931077" y="3908175"/>
-            <a:ext cx="2771056" cy="508216"/>
+            <a:off x="3193649" y="3791378"/>
+            <a:ext cx="2482437" cy="646844"/>
           </a:xfrm>
           <a:prstGeom prst="rect">
             <a:avLst/>
@@ -3758,7 +3771,7 @@
                   <a:srgbClr val="C0C0C0"/>
                 </a:solidFill>
               </a:rPr>
-              <a:t>But </a:t>
+              <a:t>Examples of famous composite volcanoes include Mount Ranier in Washington and Mount Fuji in Japan. </a:t>
             </a:r>
             <a:r>
               <a:rPr lang="en-US" sz="901" b="1" dirty="0">
@@ -3766,7 +3779,7 @@
                   <a:srgbClr val="FEB817"/>
                 </a:solidFill>
               </a:rPr>
-              <a:t>what makes this region so special</a:t>
+              <a:t>But what do these volcanoes have in common</a:t>
             </a:r>
             <a:r>
               <a:rPr lang="en-US" sz="901" b="1" dirty="0">
@@ -3774,7 +3787,7 @@
                   <a:srgbClr val="C0C0C0"/>
                 </a:solidFill>
               </a:rPr>
-              <a:t>? And why do volcanoes form along this coastline and not in the center of continents, or the ocean?</a:t>
+              <a:t>?</a:t>
             </a:r>
           </a:p>
         </p:txBody>
@@ -3801,7 +3814,7 @@
         </p:blipFill>
         <p:spPr>
           <a:xfrm>
-            <a:off x="4992329" y="5915466"/>
+            <a:off x="4934489" y="5892780"/>
             <a:ext cx="1756939" cy="1756939"/>
           </a:xfrm>
           <a:prstGeom prst="rect">
@@ -3809,12 +3822,84 @@
           </a:prstGeom>
         </p:spPr>
       </p:pic>
-      <p:sp>
-        <p:nvSpPr>
-          <p:cNvPr id="36" name="TextBox 35">
+      <p:pic>
+        <p:nvPicPr>
+          <p:cNvPr id="3" name="Graphic 2" descr="Volcano with solid fill">
             <a:extLst>
               <a:ext uri="{FF2B5EF4-FFF2-40B4-BE49-F238E27FC236}">
-                <a16:creationId xmlns:a16="http://schemas.microsoft.com/office/drawing/2014/main" id="{E29639AC-1FA4-D8DC-D3E4-87F60C7B0171}"/>
+                <a16:creationId xmlns:a16="http://schemas.microsoft.com/office/drawing/2014/main" id="{3F35CC5F-5944-DC7A-3376-DCDD7557477A}"/>
+              </a:ext>
+            </a:extLst>
+          </p:cNvPr>
+          <p:cNvPicPr>
+            <a:picLocks noChangeAspect="1"/>
+          </p:cNvPicPr>
+          <p:nvPr/>
+        </p:nvPicPr>
+        <p:blipFill>
+          <a:blip r:embed="rId6">
+            <a:extLst>
+              <a:ext uri="{96DAC541-7B7A-43D3-8B79-37D633B846F1}">
+                <asvg:svgBlip xmlns:asvg="http://schemas.microsoft.com/office/drawing/2016/SVG/main" r:embed="rId7"/>
+              </a:ext>
+            </a:extLst>
+          </a:blip>
+          <a:stretch>
+            <a:fillRect/>
+          </a:stretch>
+        </p:blipFill>
+        <p:spPr>
+          <a:xfrm>
+            <a:off x="2430719" y="2837557"/>
+            <a:ext cx="239443" cy="239443"/>
+          </a:xfrm>
+          <a:prstGeom prst="rect">
+            <a:avLst/>
+          </a:prstGeom>
+        </p:spPr>
+      </p:pic>
+      <p:pic>
+        <p:nvPicPr>
+          <p:cNvPr id="4" name="Graphic 3" descr="Volcano with solid fill">
+            <a:extLst>
+              <a:ext uri="{FF2B5EF4-FFF2-40B4-BE49-F238E27FC236}">
+                <a16:creationId xmlns:a16="http://schemas.microsoft.com/office/drawing/2014/main" id="{F5ED95FF-F7EF-A50C-985F-E2BB41979405}"/>
+              </a:ext>
+            </a:extLst>
+          </p:cNvPr>
+          <p:cNvPicPr>
+            <a:picLocks noChangeAspect="1"/>
+          </p:cNvPicPr>
+          <p:nvPr/>
+        </p:nvPicPr>
+        <p:blipFill>
+          <a:blip r:embed="rId8">
+            <a:extLst>
+              <a:ext uri="{96DAC541-7B7A-43D3-8B79-37D633B846F1}">
+                <asvg:svgBlip xmlns:asvg="http://schemas.microsoft.com/office/drawing/2016/SVG/main" r:embed="rId9"/>
+              </a:ext>
+            </a:extLst>
+          </a:blip>
+          <a:stretch>
+            <a:fillRect/>
+          </a:stretch>
+        </p:blipFill>
+        <p:spPr>
+          <a:xfrm>
+            <a:off x="3288541" y="2863559"/>
+            <a:ext cx="239443" cy="239443"/>
+          </a:xfrm>
+          <a:prstGeom prst="rect">
+            <a:avLst/>
+          </a:prstGeom>
+        </p:spPr>
+      </p:pic>
+      <p:sp>
+        <p:nvSpPr>
+          <p:cNvPr id="5" name="TextBox 4">
+            <a:extLst>
+              <a:ext uri="{FF2B5EF4-FFF2-40B4-BE49-F238E27FC236}">
+                <a16:creationId xmlns:a16="http://schemas.microsoft.com/office/drawing/2014/main" id="{ABE83587-4423-8D3D-BAB8-11520DE78AB7}"/>
               </a:ext>
             </a:extLst>
           </p:cNvPr>
@@ -3823,8 +3908,92 @@
         </p:nvSpPr>
         <p:spPr>
           <a:xfrm>
-            <a:off x="1932686" y="7018859"/>
-            <a:ext cx="3161828" cy="646331"/>
+            <a:off x="2670162" y="2821227"/>
+            <a:ext cx="635575" cy="307777"/>
+          </a:xfrm>
+          <a:prstGeom prst="rect">
+            <a:avLst/>
+          </a:prstGeom>
+          <a:solidFill>
+            <a:schemeClr val="bg1"/>
+          </a:solidFill>
+        </p:spPr>
+        <p:txBody>
+          <a:bodyPr wrap="square" rtlCol="0">
+            <a:spAutoFit/>
+          </a:bodyPr>
+          <a:lstStyle/>
+          <a:p>
+            <a:pPr algn="ctr"/>
+            <a:r>
+              <a:rPr lang="en-US" sz="700" b="1" dirty="0">
+                <a:solidFill>
+                  <a:srgbClr val="C0C0C0"/>
+                </a:solidFill>
+              </a:rPr>
+              <a:t>Composite Volcano</a:t>
+            </a:r>
+          </a:p>
+        </p:txBody>
+      </p:sp>
+      <p:sp>
+        <p:nvSpPr>
+          <p:cNvPr id="6" name="TextBox 5">
+            <a:extLst>
+              <a:ext uri="{FF2B5EF4-FFF2-40B4-BE49-F238E27FC236}">
+                <a16:creationId xmlns:a16="http://schemas.microsoft.com/office/drawing/2014/main" id="{0FD6AB4A-C1C5-7263-54C2-0172062C4542}"/>
+              </a:ext>
+            </a:extLst>
+          </p:cNvPr>
+          <p:cNvSpPr txBox="1"/>
+          <p:nvPr/>
+        </p:nvSpPr>
+        <p:spPr>
+          <a:xfrm>
+            <a:off x="3520845" y="2837557"/>
+            <a:ext cx="748919" cy="307777"/>
+          </a:xfrm>
+          <a:prstGeom prst="rect">
+            <a:avLst/>
+          </a:prstGeom>
+          <a:solidFill>
+            <a:schemeClr val="bg1"/>
+          </a:solidFill>
+        </p:spPr>
+        <p:txBody>
+          <a:bodyPr wrap="square" rtlCol="0">
+            <a:spAutoFit/>
+          </a:bodyPr>
+          <a:lstStyle/>
+          <a:p>
+            <a:pPr algn="ctr"/>
+            <a:r>
+              <a:rPr lang="en-US" sz="700" b="1" dirty="0">
+                <a:solidFill>
+                  <a:srgbClr val="C0C0C0"/>
+                </a:solidFill>
+              </a:rPr>
+              <a:t>Other Volcano Type</a:t>
+            </a:r>
+          </a:p>
+        </p:txBody>
+      </p:sp>
+      <p:sp>
+        <p:nvSpPr>
+          <p:cNvPr id="11" name="TextBox 10">
+            <a:extLst>
+              <a:ext uri="{FF2B5EF4-FFF2-40B4-BE49-F238E27FC236}">
+                <a16:creationId xmlns:a16="http://schemas.microsoft.com/office/drawing/2014/main" id="{7FCF609B-CA92-DE82-FD4A-8043964CA1A3}"/>
+              </a:ext>
+            </a:extLst>
+          </p:cNvPr>
+          <p:cNvSpPr txBox="1"/>
+          <p:nvPr/>
+        </p:nvSpPr>
+        <p:spPr>
+          <a:xfrm>
+            <a:off x="1853030" y="7094201"/>
+            <a:ext cx="3144855" cy="646331"/>
           </a:xfrm>
           <a:prstGeom prst="rect">
             <a:avLst/>
@@ -3845,7 +4014,7 @@
                 </a:solidFill>
                 <a:latin typeface=""/>
               </a:rPr>
-              <a:t>The movement at a subduction zone causes rock to melt and float below the surface, creating volcanoes. It </a:t>
+              <a:t>These conditions occur at a specific type of tectonic plate boundary called a </a:t>
             </a:r>
             <a:r>
               <a:rPr lang="en-US" sz="900" b="1" dirty="0">
@@ -3854,7 +4023,7 @@
                 </a:solidFill>
                 <a:latin typeface=""/>
               </a:rPr>
-              <a:t>is this process that creates the Ring of Fir</a:t>
+              <a:t>subduction zone</a:t>
             </a:r>
             <a:r>
               <a:rPr lang="en-US" sz="900" b="1" dirty="0">
@@ -3863,11 +4032,83 @@
                 </a:solidFill>
                 <a:latin typeface=""/>
               </a:rPr>
-              <a:t>e along the subduction zones that line the Pacific Ocean</a:t>
-            </a:r>
-          </a:p>
-        </p:txBody>
-      </p:sp>
+              <a:t>. Here the oceanic plate subducts under the continent, causing melting and forming volcanoes like the Ring of Fire. </a:t>
+            </a:r>
+          </a:p>
+        </p:txBody>
+      </p:sp>
+      <p:pic>
+        <p:nvPicPr>
+          <p:cNvPr id="12" name="Graphic 11" descr="Volcano with solid fill">
+            <a:extLst>
+              <a:ext uri="{FF2B5EF4-FFF2-40B4-BE49-F238E27FC236}">
+                <a16:creationId xmlns:a16="http://schemas.microsoft.com/office/drawing/2014/main" id="{B67B55A5-745E-ED5F-61DC-D5F99BBDA421}"/>
+              </a:ext>
+            </a:extLst>
+          </p:cNvPr>
+          <p:cNvPicPr>
+            <a:picLocks noChangeAspect="1"/>
+          </p:cNvPicPr>
+          <p:nvPr/>
+        </p:nvPicPr>
+        <p:blipFill>
+          <a:blip r:embed="rId10">
+            <a:extLst>
+              <a:ext uri="{96DAC541-7B7A-43D3-8B79-37D633B846F1}">
+                <asvg:svgBlip xmlns:asvg="http://schemas.microsoft.com/office/drawing/2016/SVG/main" r:embed="rId11"/>
+              </a:ext>
+            </a:extLst>
+          </a:blip>
+          <a:stretch>
+            <a:fillRect/>
+          </a:stretch>
+        </p:blipFill>
+        <p:spPr>
+          <a:xfrm>
+            <a:off x="5685296" y="4460421"/>
+            <a:ext cx="386587" cy="386587"/>
+          </a:xfrm>
+          <a:prstGeom prst="rect">
+            <a:avLst/>
+          </a:prstGeom>
+        </p:spPr>
+      </p:pic>
+      <p:pic>
+        <p:nvPicPr>
+          <p:cNvPr id="2" name="Graphic 1" descr="Volcano with solid fill">
+            <a:extLst>
+              <a:ext uri="{FF2B5EF4-FFF2-40B4-BE49-F238E27FC236}">
+                <a16:creationId xmlns:a16="http://schemas.microsoft.com/office/drawing/2014/main" id="{C7390CB1-0B31-3DF3-5EF4-4C477C18F36E}"/>
+              </a:ext>
+            </a:extLst>
+          </p:cNvPr>
+          <p:cNvPicPr>
+            <a:picLocks noChangeAspect="1"/>
+          </p:cNvPicPr>
+          <p:nvPr/>
+        </p:nvPicPr>
+        <p:blipFill>
+          <a:blip r:embed="rId10">
+            <a:extLst>
+              <a:ext uri="{96DAC541-7B7A-43D3-8B79-37D633B846F1}">
+                <asvg:svgBlip xmlns:asvg="http://schemas.microsoft.com/office/drawing/2016/SVG/main" r:embed="rId11"/>
+              </a:ext>
+            </a:extLst>
+          </a:blip>
+          <a:stretch>
+            <a:fillRect/>
+          </a:stretch>
+        </p:blipFill>
+        <p:spPr>
+          <a:xfrm>
+            <a:off x="5615356" y="6485028"/>
+            <a:ext cx="404488" cy="404488"/>
+          </a:xfrm>
+          <a:prstGeom prst="rect">
+            <a:avLst/>
+          </a:prstGeom>
+        </p:spPr>
+      </p:pic>
     </p:spTree>
     <p:extLst>
       <p:ext uri="{BB962C8B-B14F-4D97-AF65-F5344CB8AC3E}">
@@ -3920,7 +4161,7 @@
         </p:blipFill>
         <p:spPr>
           <a:xfrm>
-            <a:off x="2931076" y="4167189"/>
+            <a:off x="2931077" y="2185994"/>
             <a:ext cx="3926924" cy="3857625"/>
           </a:xfrm>
           <a:prstGeom prst="rect">
@@ -3950,7 +4191,7 @@
         </p:blipFill>
         <p:spPr>
           <a:xfrm>
-            <a:off x="0" y="4167188"/>
+            <a:off x="1" y="2185994"/>
             <a:ext cx="2931076" cy="3884839"/>
           </a:xfrm>
           <a:prstGeom prst="rect">
@@ -3972,7 +4213,7 @@
         </p:nvSpPr>
         <p:spPr>
           <a:xfrm>
-            <a:off x="1529854" y="4211096"/>
+            <a:off x="1529860" y="2229901"/>
             <a:ext cx="3386393" cy="577081"/>
           </a:xfrm>
           <a:prstGeom prst="rect">
@@ -4013,7 +4254,7 @@
         </p:nvSpPr>
         <p:spPr>
           <a:xfrm>
-            <a:off x="2256032" y="5252210"/>
+            <a:off x="2256032" y="3271015"/>
             <a:ext cx="1934040" cy="924821"/>
           </a:xfrm>
           <a:prstGeom prst="rect">
@@ -4074,7 +4315,7 @@
         </p:nvSpPr>
         <p:spPr>
           <a:xfrm>
-            <a:off x="3481272" y="6575721"/>
+            <a:off x="3481277" y="4594526"/>
             <a:ext cx="2046945" cy="975133"/>
           </a:xfrm>
           <a:prstGeom prst="rect">
